--- a/Imran Portfolio.pptx
+++ b/Imran Portfolio.pptx
@@ -5,7 +5,7 @@
     <p:sldMasterId id="2147483648" r:id="rId1"/>
   </p:sldMasterIdLst>
   <p:notesMasterIdLst>
-    <p:notesMasterId r:id="rId13"/>
+    <p:notesMasterId r:id="rId14"/>
   </p:notesMasterIdLst>
   <p:sldIdLst>
     <p:sldId id="256" r:id="rId2"/>
@@ -17,8 +17,9 @@
     <p:sldId id="262" r:id="rId8"/>
     <p:sldId id="264" r:id="rId9"/>
     <p:sldId id="269" r:id="rId10"/>
-    <p:sldId id="263" r:id="rId11"/>
-    <p:sldId id="265" r:id="rId12"/>
+    <p:sldId id="271" r:id="rId11"/>
+    <p:sldId id="263" r:id="rId12"/>
+    <p:sldId id="265" r:id="rId13"/>
   </p:sldIdLst>
   <p:sldSz cx="12192000" cy="6858000"/>
   <p:notesSz cx="12192000" cy="6858000"/>
@@ -226,7 +227,7 @@
           <a:p>
             <a:fld id="{84B86612-B127-4CD0-BF15-66D49A7175F7}" type="datetimeFigureOut">
               <a:rPr lang="en-IN" smtClean="0"/>
-              <a:t>27-08-2025</a:t>
+              <a:t>28-08-2025</a:t>
             </a:fld>
             <a:endParaRPr lang="en-IN" dirty="0"/>
           </a:p>
@@ -723,7 +724,7 @@
           <a:p>
             <a:fld id="{1D8BD707-D9CF-40AE-B4C6-C98DA3205C09}" type="datetimeFigureOut">
               <a:rPr lang="en-US"/>
-              <a:t>8/27/2025</a:t>
+              <a:t>8/28/2025</a:t>
             </a:fld>
             <a:endParaRPr lang="en-US" dirty="0"/>
           </a:p>
@@ -903,7 +904,7 @@
           <a:p>
             <a:fld id="{1D8BD707-D9CF-40AE-B4C6-C98DA3205C09}" type="datetimeFigureOut">
               <a:rPr lang="en-US"/>
-              <a:t>8/27/2025</a:t>
+              <a:t>8/28/2025</a:t>
             </a:fld>
             <a:endParaRPr lang="en-US" dirty="0"/>
           </a:p>
@@ -1126,7 +1127,7 @@
           <a:p>
             <a:fld id="{1D8BD707-D9CF-40AE-B4C6-C98DA3205C09}" type="datetimeFigureOut">
               <a:rPr lang="en-US"/>
-              <a:t>8/27/2025</a:t>
+              <a:t>8/28/2025</a:t>
             </a:fld>
             <a:endParaRPr lang="en-US" dirty="0"/>
           </a:p>
@@ -1283,7 +1284,7 @@
           <a:p>
             <a:fld id="{1D8BD707-D9CF-40AE-B4C6-C98DA3205C09}" type="datetimeFigureOut">
               <a:rPr lang="en-US"/>
-              <a:t>8/27/2025</a:t>
+              <a:t>8/28/2025</a:t>
             </a:fld>
             <a:endParaRPr lang="en-US" dirty="0"/>
           </a:p>
@@ -1411,7 +1412,7 @@
           <a:p>
             <a:fld id="{1D8BD707-D9CF-40AE-B4C6-C98DA3205C09}" type="datetimeFigureOut">
               <a:rPr lang="en-US"/>
-              <a:t>8/27/2025</a:t>
+              <a:t>8/28/2025</a:t>
             </a:fld>
             <a:endParaRPr lang="en-US" dirty="0"/>
           </a:p>
@@ -2130,7 +2131,7 @@
           <a:p>
             <a:fld id="{1D8BD707-D9CF-40AE-B4C6-C98DA3205C09}" type="datetimeFigureOut">
               <a:rPr lang="en-US"/>
-              <a:t>8/27/2025</a:t>
+              <a:t>8/28/2025</a:t>
             </a:fld>
             <a:endParaRPr lang="en-US" dirty="0"/>
           </a:p>
@@ -2970,581 +2971,115 @@
       </p:grpSpPr>
       <p:sp>
         <p:nvSpPr>
-          <p:cNvPr id="2" name="object 2"/>
-          <p:cNvSpPr txBox="1"/>
-          <p:nvPr/>
+          <p:cNvPr id="2" name="Title 1">
+            <a:extLst>
+              <a:ext uri="{FF2B5EF4-FFF2-40B4-BE49-F238E27FC236}">
+                <a16:creationId xmlns:a16="http://schemas.microsoft.com/office/drawing/2014/main" id="{3FC555D0-900A-CFEF-F4AC-C836B296DA2F}"/>
+              </a:ext>
+            </a:extLst>
+          </p:cNvPr>
+          <p:cNvSpPr>
+            <a:spLocks noGrp="1"/>
+          </p:cNvSpPr>
+          <p:nvPr>
+            <p:ph type="title"/>
+          </p:nvPr>
         </p:nvSpPr>
         <p:spPr>
           <a:xfrm>
-            <a:off x="752475" y="6486037"/>
-            <a:ext cx="1773555" cy="166370"/>
+            <a:off x="755332" y="385444"/>
+            <a:ext cx="10681335" cy="738664"/>
           </a:xfrm>
-          <a:prstGeom prst="rect">
-            <a:avLst/>
-          </a:prstGeom>
         </p:spPr>
         <p:txBody>
-          <a:bodyPr vert="horz" wrap="square" lIns="0" tIns="0" rIns="0" bIns="0" rtlCol="0">
-            <a:spAutoFit/>
-          </a:bodyPr>
+          <a:bodyPr/>
           <a:lstStyle/>
           <a:p>
-            <a:pPr>
-              <a:lnSpc>
-                <a:spcPts val="1275"/>
-              </a:lnSpc>
-            </a:pPr>
-            <a:r>
-              <a:rPr sz="1100" spc="20" dirty="0">
-                <a:solidFill>
-                  <a:srgbClr val="2D83C3"/>
-                </a:solidFill>
-                <a:latin typeface="Trebuchet MS"/>
-                <a:cs typeface="Trebuchet MS"/>
-              </a:rPr>
-              <a:t>3/21/202</a:t>
-            </a:r>
-            <a:r>
-              <a:rPr sz="1100" spc="10" dirty="0">
-                <a:solidFill>
-                  <a:srgbClr val="2D83C3"/>
-                </a:solidFill>
-                <a:latin typeface="Trebuchet MS"/>
-                <a:cs typeface="Trebuchet MS"/>
-              </a:rPr>
-              <a:t>4</a:t>
-            </a:r>
-            <a:r>
-              <a:rPr sz="1100" dirty="0">
-                <a:solidFill>
-                  <a:srgbClr val="2D83C3"/>
-                </a:solidFill>
-                <a:latin typeface="Trebuchet MS"/>
-                <a:cs typeface="Trebuchet MS"/>
-              </a:rPr>
-              <a:t> </a:t>
-            </a:r>
-            <a:r>
-              <a:rPr sz="1100" spc="130" dirty="0">
-                <a:solidFill>
-                  <a:srgbClr val="2D83C3"/>
-                </a:solidFill>
-                <a:latin typeface="Trebuchet MS"/>
-                <a:cs typeface="Trebuchet MS"/>
-              </a:rPr>
-              <a:t> </a:t>
-            </a:r>
-            <a:r>
-              <a:rPr sz="1100" b="1" spc="50" dirty="0">
-                <a:solidFill>
-                  <a:srgbClr val="2D83C3"/>
-                </a:solidFill>
-                <a:latin typeface="Trebuchet MS"/>
-                <a:cs typeface="Trebuchet MS"/>
-              </a:rPr>
-              <a:t>A</a:t>
-            </a:r>
-            <a:r>
-              <a:rPr sz="1100" b="1" spc="15" dirty="0">
-                <a:solidFill>
-                  <a:srgbClr val="2D83C3"/>
-                </a:solidFill>
-                <a:latin typeface="Trebuchet MS"/>
-                <a:cs typeface="Trebuchet MS"/>
-              </a:rPr>
-              <a:t>nnu</a:t>
-            </a:r>
-            <a:r>
-              <a:rPr sz="1100" b="1" spc="10" dirty="0">
-                <a:solidFill>
-                  <a:srgbClr val="2D83C3"/>
-                </a:solidFill>
-                <a:latin typeface="Trebuchet MS"/>
-                <a:cs typeface="Trebuchet MS"/>
-              </a:rPr>
-              <a:t>al</a:t>
-            </a:r>
-            <a:r>
-              <a:rPr sz="1100" b="1" spc="-140" dirty="0">
-                <a:solidFill>
-                  <a:srgbClr val="2D83C3"/>
-                </a:solidFill>
-                <a:latin typeface="Trebuchet MS"/>
-                <a:cs typeface="Trebuchet MS"/>
-              </a:rPr>
-              <a:t> </a:t>
-            </a:r>
-            <a:r>
-              <a:rPr sz="1100" b="1" dirty="0">
-                <a:solidFill>
-                  <a:srgbClr val="2D83C3"/>
-                </a:solidFill>
-                <a:latin typeface="Trebuchet MS"/>
-                <a:cs typeface="Trebuchet MS"/>
-              </a:rPr>
-              <a:t>R</a:t>
-            </a:r>
-            <a:r>
-              <a:rPr sz="1100" b="1" spc="35" dirty="0">
-                <a:solidFill>
-                  <a:srgbClr val="2D83C3"/>
-                </a:solidFill>
-                <a:latin typeface="Trebuchet MS"/>
-                <a:cs typeface="Trebuchet MS"/>
-              </a:rPr>
-              <a:t>e</a:t>
-            </a:r>
-            <a:r>
-              <a:rPr sz="1100" b="1" spc="90" dirty="0">
-                <a:solidFill>
-                  <a:srgbClr val="2D83C3"/>
-                </a:solidFill>
-                <a:latin typeface="Trebuchet MS"/>
-                <a:cs typeface="Trebuchet MS"/>
-              </a:rPr>
-              <a:t>v</a:t>
-            </a:r>
-            <a:r>
-              <a:rPr sz="1100" b="1" spc="-35" dirty="0">
-                <a:solidFill>
-                  <a:srgbClr val="2D83C3"/>
-                </a:solidFill>
-                <a:latin typeface="Trebuchet MS"/>
-                <a:cs typeface="Trebuchet MS"/>
-              </a:rPr>
-              <a:t>i</a:t>
-            </a:r>
-            <a:r>
-              <a:rPr sz="1100" b="1" spc="35" dirty="0">
-                <a:solidFill>
-                  <a:srgbClr val="2D83C3"/>
-                </a:solidFill>
-                <a:latin typeface="Trebuchet MS"/>
-                <a:cs typeface="Trebuchet MS"/>
-              </a:rPr>
-              <a:t>e</a:t>
-            </a:r>
-            <a:r>
-              <a:rPr sz="1100" b="1" spc="15" dirty="0">
-                <a:solidFill>
-                  <a:srgbClr val="2D83C3"/>
-                </a:solidFill>
-                <a:latin typeface="Trebuchet MS"/>
-                <a:cs typeface="Trebuchet MS"/>
-              </a:rPr>
-              <a:t>w</a:t>
-            </a:r>
-            <a:endParaRPr sz="1100" dirty="0">
-              <a:latin typeface="Trebuchet MS"/>
-              <a:cs typeface="Trebuchet MS"/>
-            </a:endParaRPr>
-          </a:p>
-        </p:txBody>
-      </p:sp>
-      <p:sp>
-        <p:nvSpPr>
-          <p:cNvPr id="3" name="object 3"/>
-          <p:cNvSpPr/>
-          <p:nvPr/>
-        </p:nvSpPr>
-        <p:spPr>
-          <a:xfrm>
-            <a:off x="9353550" y="5362575"/>
-            <a:ext cx="457200" cy="457200"/>
-          </a:xfrm>
-          <a:custGeom>
-            <a:avLst/>
-            <a:gdLst/>
-            <a:ahLst/>
-            <a:cxnLst/>
-            <a:rect l="l" t="t" r="r" b="b"/>
-            <a:pathLst>
-              <a:path w="457200" h="457200">
-                <a:moveTo>
-                  <a:pt x="457200" y="0"/>
-                </a:moveTo>
-                <a:lnTo>
-                  <a:pt x="0" y="0"/>
-                </a:lnTo>
-                <a:lnTo>
-                  <a:pt x="0" y="457200"/>
-                </a:lnTo>
-                <a:lnTo>
-                  <a:pt x="457200" y="457200"/>
-                </a:lnTo>
-                <a:lnTo>
-                  <a:pt x="457200" y="0"/>
-                </a:lnTo>
-                <a:close/>
-              </a:path>
-            </a:pathLst>
-          </a:custGeom>
-          <a:solidFill>
-            <a:srgbClr val="42AF51"/>
-          </a:solidFill>
-        </p:spPr>
-        <p:txBody>
-          <a:bodyPr wrap="square" lIns="0" tIns="0" rIns="0" bIns="0" rtlCol="0"/>
-          <a:lstStyle/>
-          <a:p>
-            <a:endParaRPr dirty="0"/>
-          </a:p>
-        </p:txBody>
-      </p:sp>
-      <p:sp>
-        <p:nvSpPr>
-          <p:cNvPr id="4" name="object 4"/>
-          <p:cNvSpPr/>
-          <p:nvPr/>
-        </p:nvSpPr>
-        <p:spPr>
-          <a:xfrm>
-            <a:off x="6696075" y="1695450"/>
-            <a:ext cx="314325" cy="323850"/>
-          </a:xfrm>
-          <a:custGeom>
-            <a:avLst/>
-            <a:gdLst/>
-            <a:ahLst/>
-            <a:cxnLst/>
-            <a:rect l="l" t="t" r="r" b="b"/>
-            <a:pathLst>
-              <a:path w="314325" h="323850">
-                <a:moveTo>
-                  <a:pt x="314325" y="0"/>
-                </a:moveTo>
-                <a:lnTo>
-                  <a:pt x="0" y="0"/>
-                </a:lnTo>
-                <a:lnTo>
-                  <a:pt x="0" y="323850"/>
-                </a:lnTo>
-                <a:lnTo>
-                  <a:pt x="314325" y="323850"/>
-                </a:lnTo>
-                <a:lnTo>
-                  <a:pt x="314325" y="0"/>
-                </a:lnTo>
-                <a:close/>
-              </a:path>
-            </a:pathLst>
-          </a:custGeom>
-          <a:solidFill>
-            <a:srgbClr val="2D83C3"/>
-          </a:solidFill>
-        </p:spPr>
-        <p:txBody>
-          <a:bodyPr wrap="square" lIns="0" tIns="0" rIns="0" bIns="0" rtlCol="0"/>
-          <a:lstStyle/>
-          <a:p>
-            <a:endParaRPr dirty="0"/>
-          </a:p>
-        </p:txBody>
-      </p:sp>
-      <p:sp>
-        <p:nvSpPr>
-          <p:cNvPr id="5" name="object 5"/>
-          <p:cNvSpPr/>
-          <p:nvPr/>
-        </p:nvSpPr>
-        <p:spPr>
-          <a:xfrm>
-            <a:off x="9353550" y="5895975"/>
-            <a:ext cx="180975" cy="180975"/>
-          </a:xfrm>
-          <a:custGeom>
-            <a:avLst/>
-            <a:gdLst/>
-            <a:ahLst/>
-            <a:cxnLst/>
-            <a:rect l="l" t="t" r="r" b="b"/>
-            <a:pathLst>
-              <a:path w="180975" h="180975">
-                <a:moveTo>
-                  <a:pt x="180975" y="0"/>
-                </a:moveTo>
-                <a:lnTo>
-                  <a:pt x="0" y="0"/>
-                </a:lnTo>
-                <a:lnTo>
-                  <a:pt x="0" y="180975"/>
-                </a:lnTo>
-                <a:lnTo>
-                  <a:pt x="180975" y="180975"/>
-                </a:lnTo>
-                <a:lnTo>
-                  <a:pt x="180975" y="0"/>
-                </a:lnTo>
-                <a:close/>
-              </a:path>
-            </a:pathLst>
-          </a:custGeom>
-          <a:solidFill>
-            <a:srgbClr val="2D936B"/>
-          </a:solidFill>
-        </p:spPr>
-        <p:txBody>
-          <a:bodyPr wrap="square" lIns="0" tIns="0" rIns="0" bIns="0" rtlCol="0"/>
-          <a:lstStyle/>
-          <a:p>
-            <a:endParaRPr dirty="0"/>
+            <a:r>
+              <a:rPr lang="en-US" dirty="0"/>
+              <a:t>Result and Screenshot</a:t>
+            </a:r>
           </a:p>
         </p:txBody>
       </p:sp>
       <p:pic>
         <p:nvPicPr>
-          <p:cNvPr id="6" name="object 6"/>
-          <p:cNvPicPr/>
+          <p:cNvPr id="4" name="Picture 3">
+            <a:extLst>
+              <a:ext uri="{FF2B5EF4-FFF2-40B4-BE49-F238E27FC236}">
+                <a16:creationId xmlns:a16="http://schemas.microsoft.com/office/drawing/2014/main" id="{70D75A0B-20B5-7142-1103-D85CFFF0B209}"/>
+              </a:ext>
+            </a:extLst>
+          </p:cNvPr>
+          <p:cNvPicPr>
+            <a:picLocks noChangeAspect="1"/>
+          </p:cNvPicPr>
           <p:nvPr/>
         </p:nvPicPr>
         <p:blipFill>
-          <a:blip r:embed="rId2" cstate="print"/>
+          <a:blip r:embed="rId2" cstate="print">
+            <a:extLst>
+              <a:ext uri="{28A0092B-C50C-407E-A947-70E740481C1C}">
+                <a14:useLocalDpi xmlns:a14="http://schemas.microsoft.com/office/drawing/2010/main" val="0"/>
+              </a:ext>
+            </a:extLst>
+          </a:blip>
           <a:stretch>
             <a:fillRect/>
           </a:stretch>
         </p:blipFill>
         <p:spPr>
           <a:xfrm>
-            <a:off x="66675" y="3381373"/>
-            <a:ext cx="2466975" cy="3419475"/>
+            <a:off x="755332" y="1295400"/>
+            <a:ext cx="4868334" cy="2738438"/>
           </a:xfrm>
           <a:prstGeom prst="rect">
             <a:avLst/>
           </a:prstGeom>
         </p:spPr>
       </p:pic>
-      <p:sp>
-        <p:nvSpPr>
-          <p:cNvPr id="7" name="object 7"/>
-          <p:cNvSpPr txBox="1">
-            <a:spLocks noGrp="1"/>
-          </p:cNvSpPr>
-          <p:nvPr>
-            <p:ph type="title"/>
-          </p:nvPr>
-        </p:nvSpPr>
+      <p:pic>
+        <p:nvPicPr>
+          <p:cNvPr id="6" name="Picture 5">
+            <a:extLst>
+              <a:ext uri="{FF2B5EF4-FFF2-40B4-BE49-F238E27FC236}">
+                <a16:creationId xmlns:a16="http://schemas.microsoft.com/office/drawing/2014/main" id="{122F475E-094E-194D-5C05-BCB9B1F3E74C}"/>
+              </a:ext>
+            </a:extLst>
+          </p:cNvPr>
+          <p:cNvPicPr>
+            <a:picLocks noChangeAspect="1"/>
+          </p:cNvPicPr>
+          <p:nvPr/>
+        </p:nvPicPr>
+        <p:blipFill>
+          <a:blip r:embed="rId3" cstate="print">
+            <a:extLst>
+              <a:ext uri="{28A0092B-C50C-407E-A947-70E740481C1C}">
+                <a14:useLocalDpi xmlns:a14="http://schemas.microsoft.com/office/drawing/2010/main" val="0"/>
+              </a:ext>
+            </a:extLst>
+          </a:blip>
+          <a:stretch>
+            <a:fillRect/>
+          </a:stretch>
+        </p:blipFill>
         <p:spPr>
           <a:xfrm>
-            <a:off x="2847975" y="1005568"/>
-            <a:ext cx="6686550" cy="3956211"/>
+            <a:off x="5791200" y="1295400"/>
+            <a:ext cx="3164417" cy="2738438"/>
           </a:xfrm>
           <a:prstGeom prst="rect">
             <a:avLst/>
           </a:prstGeom>
         </p:spPr>
-        <p:txBody>
-          <a:bodyPr vert="horz" wrap="square" lIns="0" tIns="16510" rIns="0" bIns="0" rtlCol="0">
-            <a:spAutoFit/>
-          </a:bodyPr>
-          <a:lstStyle/>
-          <a:p>
-            <a:pPr marL="12700">
-              <a:lnSpc>
-                <a:spcPct val="100000"/>
-              </a:lnSpc>
-              <a:spcBef>
-                <a:spcPts val="130"/>
-              </a:spcBef>
-            </a:pPr>
-            <a:r>
-              <a:rPr lang="en-IN" sz="3600" spc="15" dirty="0"/>
-              <a:t>RESULTS AND SCREENSHOTS</a:t>
-            </a:r>
-            <a:br>
-              <a:rPr lang="en-IN" sz="4000" spc="15" dirty="0"/>
-            </a:br>
-            <a:br>
-              <a:rPr lang="en-IN" sz="4000" spc="15" dirty="0"/>
-            </a:br>
-            <a:r>
-              <a:rPr lang="en-US" sz="2000" b="0" dirty="0">
-                <a:effectLst>
-                  <a:outerShdw blurRad="38100" dist="38100" dir="2700000" algn="tl">
-                    <a:srgbClr val="000000">
-                      <a:alpha val="43137"/>
-                    </a:srgbClr>
-                  </a:outerShdw>
-                </a:effectLst>
-              </a:rPr>
-              <a:t>The results section demonstrates the effectiveness of the portfolio design in presenting work clearly and professionally.</a:t>
-            </a:r>
-            <a:br>
-              <a:rPr lang="en-US" sz="2000" b="0" dirty="0">
-                <a:effectLst>
-                  <a:outerShdw blurRad="38100" dist="38100" dir="2700000" algn="tl">
-                    <a:srgbClr val="000000">
-                      <a:alpha val="43137"/>
-                    </a:srgbClr>
-                  </a:outerShdw>
-                </a:effectLst>
-              </a:rPr>
-            </a:br>
-            <a:r>
-              <a:rPr lang="en-US" sz="2000" b="0" dirty="0">
-                <a:effectLst>
-                  <a:outerShdw blurRad="38100" dist="38100" dir="2700000" algn="tl">
-                    <a:srgbClr val="000000">
-                      <a:alpha val="43137"/>
-                    </a:srgbClr>
-                  </a:outerShdw>
-                </a:effectLst>
-              </a:rPr>
-              <a:t>Screenshots provide visual evidence of the layout, structure, and user interface in action.</a:t>
-            </a:r>
-            <a:br>
-              <a:rPr lang="en-US" sz="2000" b="0" dirty="0">
-                <a:effectLst>
-                  <a:outerShdw blurRad="38100" dist="38100" dir="2700000" algn="tl">
-                    <a:srgbClr val="000000">
-                      <a:alpha val="43137"/>
-                    </a:srgbClr>
-                  </a:outerShdw>
-                </a:effectLst>
-              </a:rPr>
-            </a:br>
-            <a:r>
-              <a:rPr lang="en-US" sz="2000" b="0" dirty="0">
-                <a:effectLst>
-                  <a:outerShdw blurRad="38100" dist="38100" dir="2700000" algn="tl">
-                    <a:srgbClr val="000000">
-                      <a:alpha val="43137"/>
-                    </a:srgbClr>
-                  </a:outerShdw>
-                </a:effectLst>
-              </a:rPr>
-              <a:t>They highlight key features, such as navigation flow, project presentation, and overall aesthetics.</a:t>
-            </a:r>
-            <a:br>
-              <a:rPr lang="en-US" sz="2000" b="0" dirty="0">
-                <a:effectLst>
-                  <a:outerShdw blurRad="38100" dist="38100" dir="2700000" algn="tl">
-                    <a:srgbClr val="000000">
-                      <a:alpha val="43137"/>
-                    </a:srgbClr>
-                  </a:outerShdw>
-                </a:effectLst>
-              </a:rPr>
-            </a:br>
-            <a:r>
-              <a:rPr lang="en-US" sz="2000" b="0" dirty="0">
-                <a:effectLst>
-                  <a:outerShdw blurRad="38100" dist="38100" dir="2700000" algn="tl">
-                    <a:srgbClr val="000000">
-                      <a:alpha val="43137"/>
-                    </a:srgbClr>
-                  </a:outerShdw>
-                </a:effectLst>
-              </a:rPr>
-              <a:t>Together, results and screenshots validate the functionality, usability, and impact of the portfolio.</a:t>
-            </a:r>
-            <a:endParaRPr sz="4000" b="0" dirty="0">
-              <a:effectLst>
-                <a:outerShdw blurRad="38100" dist="38100" dir="2700000" algn="tl">
-                  <a:srgbClr val="000000">
-                    <a:alpha val="43137"/>
-                  </a:srgbClr>
-                </a:outerShdw>
-              </a:effectLst>
-            </a:endParaRPr>
-          </a:p>
-        </p:txBody>
-      </p:sp>
-      <p:sp>
-        <p:nvSpPr>
-          <p:cNvPr id="8" name="object 8"/>
-          <p:cNvSpPr txBox="1"/>
-          <p:nvPr/>
-        </p:nvSpPr>
-        <p:spPr>
-          <a:xfrm>
-            <a:off x="11277218" y="6473337"/>
-            <a:ext cx="228600" cy="191770"/>
-          </a:xfrm>
-          <a:prstGeom prst="rect">
-            <a:avLst/>
-          </a:prstGeom>
-        </p:spPr>
-        <p:txBody>
-          <a:bodyPr vert="horz" wrap="square" lIns="0" tIns="6985" rIns="0" bIns="0" rtlCol="0">
-            <a:spAutoFit/>
-          </a:bodyPr>
-          <a:lstStyle/>
-          <a:p>
-            <a:pPr marL="38100">
-              <a:lnSpc>
-                <a:spcPct val="100000"/>
-              </a:lnSpc>
-              <a:spcBef>
-                <a:spcPts val="55"/>
-              </a:spcBef>
-            </a:pPr>
-            <a:fld id="{81D60167-4931-47E6-BA6A-407CBD079E47}" type="slidenum">
-              <a:rPr sz="1100" spc="10" dirty="0">
-                <a:solidFill>
-                  <a:srgbClr val="2D936B"/>
-                </a:solidFill>
-                <a:latin typeface="Trebuchet MS"/>
-                <a:cs typeface="Trebuchet MS"/>
-              </a:rPr>
-              <a:t>10</a:t>
-            </a:fld>
-            <a:endParaRPr sz="1100" dirty="0">
-              <a:latin typeface="Trebuchet MS"/>
-              <a:cs typeface="Trebuchet MS"/>
-            </a:endParaRPr>
-          </a:p>
-        </p:txBody>
-      </p:sp>
-      <p:sp>
-        <p:nvSpPr>
-          <p:cNvPr id="9" name="TextBox 8">
-            <a:extLst>
-              <a:ext uri="{FF2B5EF4-FFF2-40B4-BE49-F238E27FC236}">
-                <a16:creationId xmlns:a16="http://schemas.microsoft.com/office/drawing/2014/main" id="{FAD9CEB2-36E1-0550-426B-2FAF97882044}"/>
-              </a:ext>
-            </a:extLst>
-          </p:cNvPr>
-          <p:cNvSpPr txBox="1"/>
-          <p:nvPr/>
-        </p:nvSpPr>
-        <p:spPr>
-          <a:xfrm>
-            <a:off x="2743200" y="2354703"/>
-            <a:ext cx="8534018" cy="954107"/>
-          </a:xfrm>
-          <a:prstGeom prst="rect">
-            <a:avLst/>
-          </a:prstGeom>
-          <a:noFill/>
-        </p:spPr>
-        <p:txBody>
-          <a:bodyPr wrap="square" rtlCol="0">
-            <a:spAutoFit/>
-          </a:bodyPr>
-          <a:lstStyle/>
-          <a:p>
-            <a:pPr algn="l">
-              <a:buFont typeface="Arial" panose="020B0604020202020204" pitchFamily="34" charset="0"/>
-              <a:buChar char="•"/>
-            </a:pPr>
-            <a:endParaRPr lang="en-US" sz="2800" b="0" i="0" dirty="0">
-              <a:solidFill>
-                <a:srgbClr val="0D0D0D"/>
-              </a:solidFill>
-              <a:effectLst/>
-              <a:latin typeface="Times New Roman" panose="02020603050405020304" pitchFamily="18" charset="0"/>
-              <a:cs typeface="Times New Roman" panose="02020603050405020304" pitchFamily="18" charset="0"/>
-            </a:endParaRPr>
-          </a:p>
-          <a:p>
-            <a:endParaRPr lang="en-IN" sz="2800" dirty="0">
-              <a:latin typeface="Times New Roman" panose="02020603050405020304" pitchFamily="18" charset="0"/>
-              <a:cs typeface="Times New Roman" panose="02020603050405020304" pitchFamily="18" charset="0"/>
-            </a:endParaRPr>
-          </a:p>
-        </p:txBody>
-      </p:sp>
+      </p:pic>
     </p:spTree>
+    <p:extLst>
+      <p:ext uri="{BB962C8B-B14F-4D97-AF65-F5344CB8AC3E}">
+        <p14:creationId xmlns:p14="http://schemas.microsoft.com/office/powerpoint/2010/main" val="1614225287"/>
+      </p:ext>
+    </p:extLst>
   </p:cSld>
   <p:clrMapOvr>
     <a:masterClrMapping/>
@@ -3571,6 +3106,607 @@
       </p:grpSpPr>
       <p:sp>
         <p:nvSpPr>
+          <p:cNvPr id="2" name="object 2"/>
+          <p:cNvSpPr txBox="1"/>
+          <p:nvPr/>
+        </p:nvSpPr>
+        <p:spPr>
+          <a:xfrm>
+            <a:off x="752475" y="6486037"/>
+            <a:ext cx="1773555" cy="166370"/>
+          </a:xfrm>
+          <a:prstGeom prst="rect">
+            <a:avLst/>
+          </a:prstGeom>
+        </p:spPr>
+        <p:txBody>
+          <a:bodyPr vert="horz" wrap="square" lIns="0" tIns="0" rIns="0" bIns="0" rtlCol="0">
+            <a:spAutoFit/>
+          </a:bodyPr>
+          <a:lstStyle/>
+          <a:p>
+            <a:pPr>
+              <a:lnSpc>
+                <a:spcPts val="1275"/>
+              </a:lnSpc>
+            </a:pPr>
+            <a:r>
+              <a:rPr sz="1100" spc="20" dirty="0">
+                <a:solidFill>
+                  <a:srgbClr val="2D83C3"/>
+                </a:solidFill>
+                <a:latin typeface="Trebuchet MS"/>
+                <a:cs typeface="Trebuchet MS"/>
+              </a:rPr>
+              <a:t>3/21/202</a:t>
+            </a:r>
+            <a:r>
+              <a:rPr sz="1100" spc="10" dirty="0">
+                <a:solidFill>
+                  <a:srgbClr val="2D83C3"/>
+                </a:solidFill>
+                <a:latin typeface="Trebuchet MS"/>
+                <a:cs typeface="Trebuchet MS"/>
+              </a:rPr>
+              <a:t>4</a:t>
+            </a:r>
+            <a:r>
+              <a:rPr sz="1100" dirty="0">
+                <a:solidFill>
+                  <a:srgbClr val="2D83C3"/>
+                </a:solidFill>
+                <a:latin typeface="Trebuchet MS"/>
+                <a:cs typeface="Trebuchet MS"/>
+              </a:rPr>
+              <a:t> </a:t>
+            </a:r>
+            <a:r>
+              <a:rPr sz="1100" spc="130" dirty="0">
+                <a:solidFill>
+                  <a:srgbClr val="2D83C3"/>
+                </a:solidFill>
+                <a:latin typeface="Trebuchet MS"/>
+                <a:cs typeface="Trebuchet MS"/>
+              </a:rPr>
+              <a:t> </a:t>
+            </a:r>
+            <a:r>
+              <a:rPr sz="1100" b="1" spc="50" dirty="0">
+                <a:solidFill>
+                  <a:srgbClr val="2D83C3"/>
+                </a:solidFill>
+                <a:latin typeface="Trebuchet MS"/>
+                <a:cs typeface="Trebuchet MS"/>
+              </a:rPr>
+              <a:t>A</a:t>
+            </a:r>
+            <a:r>
+              <a:rPr sz="1100" b="1" spc="15" dirty="0">
+                <a:solidFill>
+                  <a:srgbClr val="2D83C3"/>
+                </a:solidFill>
+                <a:latin typeface="Trebuchet MS"/>
+                <a:cs typeface="Trebuchet MS"/>
+              </a:rPr>
+              <a:t>nnu</a:t>
+            </a:r>
+            <a:r>
+              <a:rPr sz="1100" b="1" spc="10" dirty="0">
+                <a:solidFill>
+                  <a:srgbClr val="2D83C3"/>
+                </a:solidFill>
+                <a:latin typeface="Trebuchet MS"/>
+                <a:cs typeface="Trebuchet MS"/>
+              </a:rPr>
+              <a:t>al</a:t>
+            </a:r>
+            <a:r>
+              <a:rPr sz="1100" b="1" spc="-140" dirty="0">
+                <a:solidFill>
+                  <a:srgbClr val="2D83C3"/>
+                </a:solidFill>
+                <a:latin typeface="Trebuchet MS"/>
+                <a:cs typeface="Trebuchet MS"/>
+              </a:rPr>
+              <a:t> </a:t>
+            </a:r>
+            <a:r>
+              <a:rPr sz="1100" b="1" dirty="0">
+                <a:solidFill>
+                  <a:srgbClr val="2D83C3"/>
+                </a:solidFill>
+                <a:latin typeface="Trebuchet MS"/>
+                <a:cs typeface="Trebuchet MS"/>
+              </a:rPr>
+              <a:t>R</a:t>
+            </a:r>
+            <a:r>
+              <a:rPr sz="1100" b="1" spc="35" dirty="0">
+                <a:solidFill>
+                  <a:srgbClr val="2D83C3"/>
+                </a:solidFill>
+                <a:latin typeface="Trebuchet MS"/>
+                <a:cs typeface="Trebuchet MS"/>
+              </a:rPr>
+              <a:t>e</a:t>
+            </a:r>
+            <a:r>
+              <a:rPr sz="1100" b="1" spc="90" dirty="0">
+                <a:solidFill>
+                  <a:srgbClr val="2D83C3"/>
+                </a:solidFill>
+                <a:latin typeface="Trebuchet MS"/>
+                <a:cs typeface="Trebuchet MS"/>
+              </a:rPr>
+              <a:t>v</a:t>
+            </a:r>
+            <a:r>
+              <a:rPr sz="1100" b="1" spc="-35" dirty="0">
+                <a:solidFill>
+                  <a:srgbClr val="2D83C3"/>
+                </a:solidFill>
+                <a:latin typeface="Trebuchet MS"/>
+                <a:cs typeface="Trebuchet MS"/>
+              </a:rPr>
+              <a:t>i</a:t>
+            </a:r>
+            <a:r>
+              <a:rPr sz="1100" b="1" spc="35" dirty="0">
+                <a:solidFill>
+                  <a:srgbClr val="2D83C3"/>
+                </a:solidFill>
+                <a:latin typeface="Trebuchet MS"/>
+                <a:cs typeface="Trebuchet MS"/>
+              </a:rPr>
+              <a:t>e</a:t>
+            </a:r>
+            <a:r>
+              <a:rPr sz="1100" b="1" spc="15" dirty="0">
+                <a:solidFill>
+                  <a:srgbClr val="2D83C3"/>
+                </a:solidFill>
+                <a:latin typeface="Trebuchet MS"/>
+                <a:cs typeface="Trebuchet MS"/>
+              </a:rPr>
+              <a:t>w</a:t>
+            </a:r>
+            <a:endParaRPr sz="1100" dirty="0">
+              <a:latin typeface="Trebuchet MS"/>
+              <a:cs typeface="Trebuchet MS"/>
+            </a:endParaRPr>
+          </a:p>
+        </p:txBody>
+      </p:sp>
+      <p:sp>
+        <p:nvSpPr>
+          <p:cNvPr id="3" name="object 3"/>
+          <p:cNvSpPr/>
+          <p:nvPr/>
+        </p:nvSpPr>
+        <p:spPr>
+          <a:xfrm>
+            <a:off x="9353550" y="5362575"/>
+            <a:ext cx="457200" cy="457200"/>
+          </a:xfrm>
+          <a:custGeom>
+            <a:avLst/>
+            <a:gdLst/>
+            <a:ahLst/>
+            <a:cxnLst/>
+            <a:rect l="l" t="t" r="r" b="b"/>
+            <a:pathLst>
+              <a:path w="457200" h="457200">
+                <a:moveTo>
+                  <a:pt x="457200" y="0"/>
+                </a:moveTo>
+                <a:lnTo>
+                  <a:pt x="0" y="0"/>
+                </a:lnTo>
+                <a:lnTo>
+                  <a:pt x="0" y="457200"/>
+                </a:lnTo>
+                <a:lnTo>
+                  <a:pt x="457200" y="457200"/>
+                </a:lnTo>
+                <a:lnTo>
+                  <a:pt x="457200" y="0"/>
+                </a:lnTo>
+                <a:close/>
+              </a:path>
+            </a:pathLst>
+          </a:custGeom>
+          <a:solidFill>
+            <a:srgbClr val="42AF51"/>
+          </a:solidFill>
+        </p:spPr>
+        <p:txBody>
+          <a:bodyPr wrap="square" lIns="0" tIns="0" rIns="0" bIns="0" rtlCol="0"/>
+          <a:lstStyle/>
+          <a:p>
+            <a:endParaRPr dirty="0"/>
+          </a:p>
+        </p:txBody>
+      </p:sp>
+      <p:sp>
+        <p:nvSpPr>
+          <p:cNvPr id="4" name="object 4"/>
+          <p:cNvSpPr/>
+          <p:nvPr/>
+        </p:nvSpPr>
+        <p:spPr>
+          <a:xfrm>
+            <a:off x="6696075" y="1695450"/>
+            <a:ext cx="314325" cy="323850"/>
+          </a:xfrm>
+          <a:custGeom>
+            <a:avLst/>
+            <a:gdLst/>
+            <a:ahLst/>
+            <a:cxnLst/>
+            <a:rect l="l" t="t" r="r" b="b"/>
+            <a:pathLst>
+              <a:path w="314325" h="323850">
+                <a:moveTo>
+                  <a:pt x="314325" y="0"/>
+                </a:moveTo>
+                <a:lnTo>
+                  <a:pt x="0" y="0"/>
+                </a:lnTo>
+                <a:lnTo>
+                  <a:pt x="0" y="323850"/>
+                </a:lnTo>
+                <a:lnTo>
+                  <a:pt x="314325" y="323850"/>
+                </a:lnTo>
+                <a:lnTo>
+                  <a:pt x="314325" y="0"/>
+                </a:lnTo>
+                <a:close/>
+              </a:path>
+            </a:pathLst>
+          </a:custGeom>
+          <a:solidFill>
+            <a:srgbClr val="2D83C3"/>
+          </a:solidFill>
+        </p:spPr>
+        <p:txBody>
+          <a:bodyPr wrap="square" lIns="0" tIns="0" rIns="0" bIns="0" rtlCol="0"/>
+          <a:lstStyle/>
+          <a:p>
+            <a:endParaRPr dirty="0"/>
+          </a:p>
+        </p:txBody>
+      </p:sp>
+      <p:sp>
+        <p:nvSpPr>
+          <p:cNvPr id="5" name="object 5"/>
+          <p:cNvSpPr/>
+          <p:nvPr/>
+        </p:nvSpPr>
+        <p:spPr>
+          <a:xfrm>
+            <a:off x="9353550" y="5895975"/>
+            <a:ext cx="180975" cy="180975"/>
+          </a:xfrm>
+          <a:custGeom>
+            <a:avLst/>
+            <a:gdLst/>
+            <a:ahLst/>
+            <a:cxnLst/>
+            <a:rect l="l" t="t" r="r" b="b"/>
+            <a:pathLst>
+              <a:path w="180975" h="180975">
+                <a:moveTo>
+                  <a:pt x="180975" y="0"/>
+                </a:moveTo>
+                <a:lnTo>
+                  <a:pt x="0" y="0"/>
+                </a:lnTo>
+                <a:lnTo>
+                  <a:pt x="0" y="180975"/>
+                </a:lnTo>
+                <a:lnTo>
+                  <a:pt x="180975" y="180975"/>
+                </a:lnTo>
+                <a:lnTo>
+                  <a:pt x="180975" y="0"/>
+                </a:lnTo>
+                <a:close/>
+              </a:path>
+            </a:pathLst>
+          </a:custGeom>
+          <a:solidFill>
+            <a:srgbClr val="2D936B"/>
+          </a:solidFill>
+        </p:spPr>
+        <p:txBody>
+          <a:bodyPr wrap="square" lIns="0" tIns="0" rIns="0" bIns="0" rtlCol="0"/>
+          <a:lstStyle/>
+          <a:p>
+            <a:endParaRPr dirty="0"/>
+          </a:p>
+        </p:txBody>
+      </p:sp>
+      <p:pic>
+        <p:nvPicPr>
+          <p:cNvPr id="6" name="object 6"/>
+          <p:cNvPicPr/>
+          <p:nvPr/>
+        </p:nvPicPr>
+        <p:blipFill>
+          <a:blip r:embed="rId2" cstate="print"/>
+          <a:stretch>
+            <a:fillRect/>
+          </a:stretch>
+        </p:blipFill>
+        <p:spPr>
+          <a:xfrm>
+            <a:off x="66675" y="3381373"/>
+            <a:ext cx="2466975" cy="3419475"/>
+          </a:xfrm>
+          <a:prstGeom prst="rect">
+            <a:avLst/>
+          </a:prstGeom>
+        </p:spPr>
+      </p:pic>
+      <p:sp>
+        <p:nvSpPr>
+          <p:cNvPr id="7" name="object 7"/>
+          <p:cNvSpPr txBox="1">
+            <a:spLocks noGrp="1"/>
+          </p:cNvSpPr>
+          <p:nvPr>
+            <p:ph type="title"/>
+          </p:nvPr>
+        </p:nvSpPr>
+        <p:spPr>
+          <a:xfrm>
+            <a:off x="2847975" y="1005568"/>
+            <a:ext cx="6686550" cy="3956211"/>
+          </a:xfrm>
+          <a:prstGeom prst="rect">
+            <a:avLst/>
+          </a:prstGeom>
+        </p:spPr>
+        <p:txBody>
+          <a:bodyPr vert="horz" wrap="square" lIns="0" tIns="16510" rIns="0" bIns="0" rtlCol="0">
+            <a:spAutoFit/>
+          </a:bodyPr>
+          <a:lstStyle/>
+          <a:p>
+            <a:pPr marL="12700">
+              <a:lnSpc>
+                <a:spcPct val="100000"/>
+              </a:lnSpc>
+              <a:spcBef>
+                <a:spcPts val="130"/>
+              </a:spcBef>
+            </a:pPr>
+            <a:r>
+              <a:rPr lang="en-IN" sz="3600" spc="15" dirty="0"/>
+              <a:t>RESULTS AND SCREENSHOTS</a:t>
+            </a:r>
+            <a:br>
+              <a:rPr lang="en-IN" sz="4000" spc="15" dirty="0"/>
+            </a:br>
+            <a:br>
+              <a:rPr lang="en-IN" sz="4000" spc="15" dirty="0"/>
+            </a:br>
+            <a:r>
+              <a:rPr lang="en-US" sz="2000" b="0" dirty="0">
+                <a:effectLst>
+                  <a:outerShdw blurRad="38100" dist="38100" dir="2700000" algn="tl">
+                    <a:srgbClr val="000000">
+                      <a:alpha val="43137"/>
+                    </a:srgbClr>
+                  </a:outerShdw>
+                </a:effectLst>
+              </a:rPr>
+              <a:t>The results section demonstrates the effectiveness of the portfolio design in presenting work clearly and professionally.</a:t>
+            </a:r>
+            <a:br>
+              <a:rPr lang="en-US" sz="2000" b="0" dirty="0">
+                <a:effectLst>
+                  <a:outerShdw blurRad="38100" dist="38100" dir="2700000" algn="tl">
+                    <a:srgbClr val="000000">
+                      <a:alpha val="43137"/>
+                    </a:srgbClr>
+                  </a:outerShdw>
+                </a:effectLst>
+              </a:rPr>
+            </a:br>
+            <a:r>
+              <a:rPr lang="en-US" sz="2000" b="0" dirty="0">
+                <a:effectLst>
+                  <a:outerShdw blurRad="38100" dist="38100" dir="2700000" algn="tl">
+                    <a:srgbClr val="000000">
+                      <a:alpha val="43137"/>
+                    </a:srgbClr>
+                  </a:outerShdw>
+                </a:effectLst>
+              </a:rPr>
+              <a:t>Screenshots provide visual evidence of the layout, structure, and user interface in action.</a:t>
+            </a:r>
+            <a:br>
+              <a:rPr lang="en-US" sz="2000" b="0" dirty="0">
+                <a:effectLst>
+                  <a:outerShdw blurRad="38100" dist="38100" dir="2700000" algn="tl">
+                    <a:srgbClr val="000000">
+                      <a:alpha val="43137"/>
+                    </a:srgbClr>
+                  </a:outerShdw>
+                </a:effectLst>
+              </a:rPr>
+            </a:br>
+            <a:r>
+              <a:rPr lang="en-US" sz="2000" b="0" dirty="0">
+                <a:effectLst>
+                  <a:outerShdw blurRad="38100" dist="38100" dir="2700000" algn="tl">
+                    <a:srgbClr val="000000">
+                      <a:alpha val="43137"/>
+                    </a:srgbClr>
+                  </a:outerShdw>
+                </a:effectLst>
+              </a:rPr>
+              <a:t>They highlight key features, such as navigation flow, project presentation, and overall aesthetics.</a:t>
+            </a:r>
+            <a:br>
+              <a:rPr lang="en-US" sz="2000" b="0" dirty="0">
+                <a:effectLst>
+                  <a:outerShdw blurRad="38100" dist="38100" dir="2700000" algn="tl">
+                    <a:srgbClr val="000000">
+                      <a:alpha val="43137"/>
+                    </a:srgbClr>
+                  </a:outerShdw>
+                </a:effectLst>
+              </a:rPr>
+            </a:br>
+            <a:r>
+              <a:rPr lang="en-US" sz="2000" b="0" dirty="0">
+                <a:effectLst>
+                  <a:outerShdw blurRad="38100" dist="38100" dir="2700000" algn="tl">
+                    <a:srgbClr val="000000">
+                      <a:alpha val="43137"/>
+                    </a:srgbClr>
+                  </a:outerShdw>
+                </a:effectLst>
+              </a:rPr>
+              <a:t>Together, results and screenshots validate the functionality, usability, and impact of the portfolio.</a:t>
+            </a:r>
+            <a:endParaRPr sz="4000" b="0" dirty="0">
+              <a:effectLst>
+                <a:outerShdw blurRad="38100" dist="38100" dir="2700000" algn="tl">
+                  <a:srgbClr val="000000">
+                    <a:alpha val="43137"/>
+                  </a:srgbClr>
+                </a:outerShdw>
+              </a:effectLst>
+            </a:endParaRPr>
+          </a:p>
+        </p:txBody>
+      </p:sp>
+      <p:sp>
+        <p:nvSpPr>
+          <p:cNvPr id="8" name="object 8"/>
+          <p:cNvSpPr txBox="1"/>
+          <p:nvPr/>
+        </p:nvSpPr>
+        <p:spPr>
+          <a:xfrm>
+            <a:off x="11277218" y="6473337"/>
+            <a:ext cx="228600" cy="191770"/>
+          </a:xfrm>
+          <a:prstGeom prst="rect">
+            <a:avLst/>
+          </a:prstGeom>
+        </p:spPr>
+        <p:txBody>
+          <a:bodyPr vert="horz" wrap="square" lIns="0" tIns="6985" rIns="0" bIns="0" rtlCol="0">
+            <a:spAutoFit/>
+          </a:bodyPr>
+          <a:lstStyle/>
+          <a:p>
+            <a:pPr marL="38100">
+              <a:lnSpc>
+                <a:spcPct val="100000"/>
+              </a:lnSpc>
+              <a:spcBef>
+                <a:spcPts val="55"/>
+              </a:spcBef>
+            </a:pPr>
+            <a:fld id="{81D60167-4931-47E6-BA6A-407CBD079E47}" type="slidenum">
+              <a:rPr sz="1100" spc="10" dirty="0">
+                <a:solidFill>
+                  <a:srgbClr val="2D936B"/>
+                </a:solidFill>
+                <a:latin typeface="Trebuchet MS"/>
+                <a:cs typeface="Trebuchet MS"/>
+              </a:rPr>
+              <a:t>11</a:t>
+            </a:fld>
+            <a:endParaRPr sz="1100" dirty="0">
+              <a:latin typeface="Trebuchet MS"/>
+              <a:cs typeface="Trebuchet MS"/>
+            </a:endParaRPr>
+          </a:p>
+        </p:txBody>
+      </p:sp>
+      <p:sp>
+        <p:nvSpPr>
+          <p:cNvPr id="9" name="TextBox 8">
+            <a:extLst>
+              <a:ext uri="{FF2B5EF4-FFF2-40B4-BE49-F238E27FC236}">
+                <a16:creationId xmlns:a16="http://schemas.microsoft.com/office/drawing/2014/main" id="{FAD9CEB2-36E1-0550-426B-2FAF97882044}"/>
+              </a:ext>
+            </a:extLst>
+          </p:cNvPr>
+          <p:cNvSpPr txBox="1"/>
+          <p:nvPr/>
+        </p:nvSpPr>
+        <p:spPr>
+          <a:xfrm>
+            <a:off x="2743200" y="2354703"/>
+            <a:ext cx="8534018" cy="954107"/>
+          </a:xfrm>
+          <a:prstGeom prst="rect">
+            <a:avLst/>
+          </a:prstGeom>
+          <a:noFill/>
+        </p:spPr>
+        <p:txBody>
+          <a:bodyPr wrap="square" rtlCol="0">
+            <a:spAutoFit/>
+          </a:bodyPr>
+          <a:lstStyle/>
+          <a:p>
+            <a:pPr algn="l">
+              <a:buFont typeface="Arial" panose="020B0604020202020204" pitchFamily="34" charset="0"/>
+              <a:buChar char="•"/>
+            </a:pPr>
+            <a:endParaRPr lang="en-US" sz="2800" b="0" i="0" dirty="0">
+              <a:solidFill>
+                <a:srgbClr val="0D0D0D"/>
+              </a:solidFill>
+              <a:effectLst/>
+              <a:latin typeface="Times New Roman" panose="02020603050405020304" pitchFamily="18" charset="0"/>
+              <a:cs typeface="Times New Roman" panose="02020603050405020304" pitchFamily="18" charset="0"/>
+            </a:endParaRPr>
+          </a:p>
+          <a:p>
+            <a:endParaRPr lang="en-IN" sz="2800" dirty="0">
+              <a:latin typeface="Times New Roman" panose="02020603050405020304" pitchFamily="18" charset="0"/>
+              <a:cs typeface="Times New Roman" panose="02020603050405020304" pitchFamily="18" charset="0"/>
+            </a:endParaRPr>
+          </a:p>
+        </p:txBody>
+      </p:sp>
+    </p:spTree>
+  </p:cSld>
+  <p:clrMapOvr>
+    <a:masterClrMapping/>
+  </p:clrMapOvr>
+</p:sld>
+</file>
+
+<file path=ppt/slides/slide12.xml><?xml version="1.0" encoding="utf-8"?>
+<p:sld xmlns:a="http://schemas.openxmlformats.org/drawingml/2006/main" xmlns:r="http://schemas.openxmlformats.org/officeDocument/2006/relationships" xmlns:p="http://schemas.openxmlformats.org/presentationml/2006/main">
+  <p:cSld>
+    <p:spTree>
+      <p:nvGrpSpPr>
+        <p:cNvPr id="1" name=""/>
+        <p:cNvGrpSpPr/>
+        <p:nvPr/>
+      </p:nvGrpSpPr>
+      <p:grpSpPr>
+        <a:xfrm>
+          <a:off x="0" y="0"/>
+          <a:ext cx="0" cy="0"/>
+          <a:chOff x="0" y="0"/>
+          <a:chExt cx="0" cy="0"/>
+        </a:xfrm>
+      </p:grpSpPr>
+      <p:sp>
+        <p:nvSpPr>
           <p:cNvPr id="3" name="object 3"/>
           <p:cNvSpPr/>
           <p:nvPr/>
@@ -3829,7 +3965,7 @@
                 <a:latin typeface="Trebuchet MS"/>
                 <a:cs typeface="Trebuchet MS"/>
               </a:rPr>
-              <a:t>11</a:t>
+              <a:t>12</a:t>
             </a:fld>
             <a:endParaRPr sz="1100" dirty="0">
               <a:latin typeface="Trebuchet MS"/>
